--- a/Project_template_AICTE.pptx
+++ b/Project_template_AICTE.pptx
@@ -6682,11 +6682,11 @@
               <a:t>Github</a:t>
             </a:r>
             <a:r>
-              <a:rPr lang="en-IN" sz="2000" b="1" dirty="0"/>
-              <a:t>-</a:t>
-            </a:r>
-            <a:r>
-              <a:rPr lang="en-IN" sz="2000" dirty="0"/>
+              <a:rPr lang="en-IN" sz="2000" b="1"/>
+              <a:t> link-</a:t>
+            </a:r>
+            <a:r>
+              <a:rPr lang="en-IN" sz="2000"/>
               <a:t> </a:t>
             </a:r>
             <a:r>
